--- a/ABCs/documentum/logo/logo.pptx
+++ b/ABCs/documentum/logo/logo.pptx
@@ -6,6 +6,7 @@
   </p:sldMasterIdLst>
   <p:sldIdLst>
     <p:sldId id="256" r:id="rId2"/>
+    <p:sldId id="257" r:id="rId3"/>
   </p:sldIdLst>
   <p:sldSz cx="12192000" cy="6858000"/>
   <p:notesSz cx="6858000" cy="9144000"/>
@@ -104,6 +105,11 @@
       </a:defRPr>
     </a:lvl9pPr>
   </p:defaultTextStyle>
+  <p:extLst>
+    <p:ext uri="{EFAFB233-063F-42B5-8137-9DF3F51BA10A}">
+      <p15:sldGuideLst xmlns:p15="http://schemas.microsoft.com/office/powerpoint/2012/main"/>
+    </p:ext>
+  </p:extLst>
 </p:presentation>
 </file>
 
@@ -238,7 +244,7 @@
           <a:p>
             <a:fld id="{77C4090F-5B2F-4868-AC4D-0DA7B5534E65}" type="datetimeFigureOut">
               <a:rPr lang="ko-KR" altLang="en-US" smtClean="0"/>
-              <a:t>2022-12-07</a:t>
+              <a:t>2022-12-09</a:t>
             </a:fld>
             <a:endParaRPr lang="ko-KR" altLang="en-US"/>
           </a:p>
@@ -408,7 +414,7 @@
           <a:p>
             <a:fld id="{77C4090F-5B2F-4868-AC4D-0DA7B5534E65}" type="datetimeFigureOut">
               <a:rPr lang="ko-KR" altLang="en-US" smtClean="0"/>
-              <a:t>2022-12-07</a:t>
+              <a:t>2022-12-09</a:t>
             </a:fld>
             <a:endParaRPr lang="ko-KR" altLang="en-US"/>
           </a:p>
@@ -588,7 +594,7 @@
           <a:p>
             <a:fld id="{77C4090F-5B2F-4868-AC4D-0DA7B5534E65}" type="datetimeFigureOut">
               <a:rPr lang="ko-KR" altLang="en-US" smtClean="0"/>
-              <a:t>2022-12-07</a:t>
+              <a:t>2022-12-09</a:t>
             </a:fld>
             <a:endParaRPr lang="ko-KR" altLang="en-US"/>
           </a:p>
@@ -758,7 +764,7 @@
           <a:p>
             <a:fld id="{77C4090F-5B2F-4868-AC4D-0DA7B5534E65}" type="datetimeFigureOut">
               <a:rPr lang="ko-KR" altLang="en-US" smtClean="0"/>
-              <a:t>2022-12-07</a:t>
+              <a:t>2022-12-09</a:t>
             </a:fld>
             <a:endParaRPr lang="ko-KR" altLang="en-US"/>
           </a:p>
@@ -1004,7 +1010,7 @@
           <a:p>
             <a:fld id="{77C4090F-5B2F-4868-AC4D-0DA7B5534E65}" type="datetimeFigureOut">
               <a:rPr lang="ko-KR" altLang="en-US" smtClean="0"/>
-              <a:t>2022-12-07</a:t>
+              <a:t>2022-12-09</a:t>
             </a:fld>
             <a:endParaRPr lang="ko-KR" altLang="en-US"/>
           </a:p>
@@ -1236,7 +1242,7 @@
           <a:p>
             <a:fld id="{77C4090F-5B2F-4868-AC4D-0DA7B5534E65}" type="datetimeFigureOut">
               <a:rPr lang="ko-KR" altLang="en-US" smtClean="0"/>
-              <a:t>2022-12-07</a:t>
+              <a:t>2022-12-09</a:t>
             </a:fld>
             <a:endParaRPr lang="ko-KR" altLang="en-US"/>
           </a:p>
@@ -1603,7 +1609,7 @@
           <a:p>
             <a:fld id="{77C4090F-5B2F-4868-AC4D-0DA7B5534E65}" type="datetimeFigureOut">
               <a:rPr lang="ko-KR" altLang="en-US" smtClean="0"/>
-              <a:t>2022-12-07</a:t>
+              <a:t>2022-12-09</a:t>
             </a:fld>
             <a:endParaRPr lang="ko-KR" altLang="en-US"/>
           </a:p>
@@ -1721,7 +1727,7 @@
           <a:p>
             <a:fld id="{77C4090F-5B2F-4868-AC4D-0DA7B5534E65}" type="datetimeFigureOut">
               <a:rPr lang="ko-KR" altLang="en-US" smtClean="0"/>
-              <a:t>2022-12-07</a:t>
+              <a:t>2022-12-09</a:t>
             </a:fld>
             <a:endParaRPr lang="ko-KR" altLang="en-US"/>
           </a:p>
@@ -1816,7 +1822,7 @@
           <a:p>
             <a:fld id="{77C4090F-5B2F-4868-AC4D-0DA7B5534E65}" type="datetimeFigureOut">
               <a:rPr lang="ko-KR" altLang="en-US" smtClean="0"/>
-              <a:t>2022-12-07</a:t>
+              <a:t>2022-12-09</a:t>
             </a:fld>
             <a:endParaRPr lang="ko-KR" altLang="en-US"/>
           </a:p>
@@ -2093,7 +2099,7 @@
           <a:p>
             <a:fld id="{77C4090F-5B2F-4868-AC4D-0DA7B5534E65}" type="datetimeFigureOut">
               <a:rPr lang="ko-KR" altLang="en-US" smtClean="0"/>
-              <a:t>2022-12-07</a:t>
+              <a:t>2022-12-09</a:t>
             </a:fld>
             <a:endParaRPr lang="ko-KR" altLang="en-US"/>
           </a:p>
@@ -2346,7 +2352,7 @@
           <a:p>
             <a:fld id="{77C4090F-5B2F-4868-AC4D-0DA7B5534E65}" type="datetimeFigureOut">
               <a:rPr lang="ko-KR" altLang="en-US" smtClean="0"/>
-              <a:t>2022-12-07</a:t>
+              <a:t>2022-12-09</a:t>
             </a:fld>
             <a:endParaRPr lang="ko-KR" altLang="en-US"/>
           </a:p>
@@ -2559,7 +2565,7 @@
           <a:p>
             <a:fld id="{77C4090F-5B2F-4868-AC4D-0DA7B5534E65}" type="datetimeFigureOut">
               <a:rPr lang="ko-KR" altLang="en-US" smtClean="0"/>
-              <a:t>2022-12-07</a:t>
+              <a:t>2022-12-09</a:t>
             </a:fld>
             <a:endParaRPr lang="ko-KR" altLang="en-US"/>
           </a:p>
@@ -3008,9 +3014,9 @@
           <a:lstStyle/>
           <a:p>
             <a:pPr algn="ctr"/>
-            <a:endParaRPr lang="en-US" altLang="ko-KR" sz="4400" dirty="0" smtClean="0">
-              <a:latin typeface="리디바탕" panose="020B0600000101010101" pitchFamily="34" charset="-127"/>
-              <a:ea typeface="리디바탕" panose="020B0600000101010101" pitchFamily="34" charset="-127"/>
+            <a:endParaRPr lang="en-US" altLang="ko-KR" sz="2800" dirty="0" smtClean="0">
+              <a:latin typeface="MS PGothic" panose="020B0600070205080204" pitchFamily="34" charset="-128"/>
+              <a:ea typeface="MS PGothic" panose="020B0600070205080204" pitchFamily="34" charset="-128"/>
             </a:endParaRPr>
           </a:p>
           <a:p>
@@ -3024,11 +3030,22 @@
                     </a:srgbClr>
                   </a:outerShdw>
                 </a:effectLst>
-                <a:latin typeface="리디바탕" panose="020B0600000101010101" pitchFamily="34" charset="-127"/>
-                <a:ea typeface="리디바탕" panose="020B0600000101010101" pitchFamily="34" charset="-127"/>
+                <a:latin typeface="MS PGothic" panose="020B0600070205080204" pitchFamily="34" charset="-128"/>
+                <a:ea typeface="MS PGothic" panose="020B0600070205080204" pitchFamily="34" charset="-128"/>
               </a:rPr>
-              <a:t>ABCs</a:t>
-            </a:r>
+              <a:t>A B Cs</a:t>
+            </a:r>
+            <a:endParaRPr lang="en-US" altLang="ko-KR" sz="7200" dirty="0" smtClean="0">
+              <a:effectLst>
+                <a:outerShdw blurRad="38100" dist="38100" dir="2700000" algn="tl">
+                  <a:srgbClr val="000000">
+                    <a:alpha val="43137"/>
+                  </a:srgbClr>
+                </a:outerShdw>
+              </a:effectLst>
+              <a:latin typeface="MS PGothic" panose="020B0600070205080204" pitchFamily="34" charset="-128"/>
+              <a:ea typeface="MS PGothic" panose="020B0600070205080204" pitchFamily="34" charset="-128"/>
+            </a:endParaRPr>
           </a:p>
         </p:txBody>
       </p:sp>
@@ -3040,19 +3057,117 @@
         </p:nvSpPr>
         <p:spPr>
           <a:xfrm>
-            <a:off x="3752850" y="2567970"/>
-            <a:ext cx="6096000" cy="1569660"/>
+            <a:off x="3752850" y="2191599"/>
+            <a:ext cx="5193442" cy="2243691"/>
           </a:xfrm>
           <a:prstGeom prst="rect">
             <a:avLst/>
           </a:prstGeom>
         </p:spPr>
         <p:txBody>
-          <a:bodyPr>
+          <a:bodyPr wrap="square">
             <a:spAutoFit/>
           </a:bodyPr>
           <a:lstStyle/>
           <a:p>
+            <a:pPr>
+              <a:lnSpc>
+                <a:spcPct val="150000"/>
+              </a:lnSpc>
+            </a:pPr>
+            <a:r>
+              <a:rPr lang="en-US" altLang="ko-KR" sz="2400" dirty="0">
+                <a:latin typeface="리디바탕" panose="020B0600000101010101" pitchFamily="34" charset="-127"/>
+                <a:ea typeface="리디바탕" panose="020B0600000101010101" pitchFamily="34" charset="-127"/>
+              </a:rPr>
+              <a:t>A</a:t>
+            </a:r>
+            <a:r>
+              <a:rPr lang="en-US" altLang="ko-KR" sz="2000" dirty="0">
+                <a:solidFill>
+                  <a:schemeClr val="bg1"/>
+                </a:solidFill>
+                <a:latin typeface="리디바탕" panose="020B0600000101010101" pitchFamily="34" charset="-127"/>
+                <a:ea typeface="리디바탕" panose="020B0600000101010101" pitchFamily="34" charset="-127"/>
+              </a:rPr>
+              <a:t>rchitecture, engineering &amp; construction</a:t>
+            </a:r>
+          </a:p>
+          <a:p>
+            <a:pPr>
+              <a:lnSpc>
+                <a:spcPct val="150000"/>
+              </a:lnSpc>
+            </a:pPr>
+            <a:r>
+              <a:rPr lang="en-US" altLang="ko-KR" sz="2400" dirty="0" smtClean="0">
+                <a:latin typeface="리디바탕" panose="020B0600000101010101" pitchFamily="34" charset="-127"/>
+                <a:ea typeface="리디바탕" panose="020B0600000101010101" pitchFamily="34" charset="-127"/>
+              </a:rPr>
+              <a:t>B</a:t>
+            </a:r>
+            <a:r>
+              <a:rPr lang="en-US" altLang="ko-KR" sz="2400" dirty="0" smtClean="0">
+                <a:solidFill>
+                  <a:schemeClr val="bg1"/>
+                </a:solidFill>
+                <a:latin typeface="리디바탕" panose="020B0600000101010101" pitchFamily="34" charset="-127"/>
+                <a:ea typeface="리디바탕" panose="020B0600000101010101" pitchFamily="34" charset="-127"/>
+              </a:rPr>
+              <a:t>ased users’</a:t>
+            </a:r>
+            <a:endParaRPr lang="en-US" altLang="ko-KR" sz="2400" dirty="0">
+              <a:solidFill>
+                <a:schemeClr val="bg1"/>
+              </a:solidFill>
+              <a:latin typeface="리디바탕" panose="020B0600000101010101" pitchFamily="34" charset="-127"/>
+              <a:ea typeface="리디바탕" panose="020B0600000101010101" pitchFamily="34" charset="-127"/>
+            </a:endParaRPr>
+          </a:p>
+          <a:p>
+            <a:pPr>
+              <a:lnSpc>
+                <a:spcPct val="150000"/>
+              </a:lnSpc>
+            </a:pPr>
+            <a:r>
+              <a:rPr lang="en-US" altLang="ko-KR" sz="2400" dirty="0" smtClean="0">
+                <a:latin typeface="리디바탕" panose="020B0600000101010101" pitchFamily="34" charset="-127"/>
+                <a:ea typeface="리디바탕" panose="020B0600000101010101" pitchFamily="34" charset="-127"/>
+              </a:rPr>
+              <a:t>C</a:t>
+            </a:r>
+            <a:r>
+              <a:rPr lang="en-US" altLang="ko-KR" sz="2400" dirty="0" smtClean="0">
+                <a:solidFill>
+                  <a:schemeClr val="bg1"/>
+                </a:solidFill>
+                <a:latin typeface="리디바탕" panose="020B0600000101010101" pitchFamily="34" charset="-127"/>
+                <a:ea typeface="리디바탕" panose="020B0600000101010101" pitchFamily="34" charset="-127"/>
+              </a:rPr>
+              <a:t>oding</a:t>
+            </a:r>
+            <a:endParaRPr lang="en-US" altLang="ko-KR" sz="1600" dirty="0">
+              <a:solidFill>
+                <a:schemeClr val="bg1"/>
+              </a:solidFill>
+              <a:latin typeface="리디바탕" panose="020B0600000101010101" pitchFamily="34" charset="-127"/>
+              <a:ea typeface="리디바탕" panose="020B0600000101010101" pitchFamily="34" charset="-127"/>
+            </a:endParaRPr>
+          </a:p>
+          <a:p>
+            <a:pPr>
+              <a:lnSpc>
+                <a:spcPct val="150000"/>
+              </a:lnSpc>
+            </a:pPr>
+            <a:r>
+              <a:rPr lang="en-US" altLang="ko-KR" sz="2400" dirty="0">
+                <a:latin typeface="리디바탕" panose="020B0600000101010101" pitchFamily="34" charset="-127"/>
+                <a:ea typeface="리디바탕" panose="020B0600000101010101" pitchFamily="34" charset="-127"/>
+              </a:rPr>
+              <a:t>s</a:t>
+            </a:r>
             <a:r>
               <a:rPr lang="en-US" altLang="ko-KR" sz="2400" dirty="0">
                 <a:solidFill>
@@ -3061,117 +3176,16 @@
                 <a:latin typeface="리디바탕" panose="020B0600000101010101" pitchFamily="34" charset="-127"/>
                 <a:ea typeface="리디바탕" panose="020B0600000101010101" pitchFamily="34" charset="-127"/>
               </a:rPr>
-              <a:t>A</a:t>
-            </a:r>
-            <a:r>
-              <a:rPr lang="en-US" altLang="ko-KR" sz="2000" dirty="0">
-                <a:solidFill>
-                  <a:schemeClr val="tx1">
-                    <a:lumMod val="50000"/>
-                    <a:lumOff val="50000"/>
-                  </a:schemeClr>
-                </a:solidFill>
-                <a:latin typeface="리디바탕" panose="020B0600000101010101" pitchFamily="34" charset="-127"/>
-                <a:ea typeface="리디바탕" panose="020B0600000101010101" pitchFamily="34" charset="-127"/>
-              </a:rPr>
-              <a:t>rchitecture, engineering &amp; construction</a:t>
-            </a:r>
-          </a:p>
-          <a:p>
-            <a:r>
-              <a:rPr lang="en-US" altLang="ko-KR" sz="2400" dirty="0">
-                <a:solidFill>
-                  <a:schemeClr val="bg1"/>
-                </a:solidFill>
-                <a:latin typeface="리디바탕" panose="020B0600000101010101" pitchFamily="34" charset="-127"/>
-                <a:ea typeface="리디바탕" panose="020B0600000101010101" pitchFamily="34" charset="-127"/>
-              </a:rPr>
-              <a:t>B</a:t>
-            </a:r>
-            <a:r>
-              <a:rPr lang="en-US" altLang="ko-KR" sz="2400" dirty="0">
-                <a:solidFill>
-                  <a:schemeClr val="tx1">
-                    <a:lumMod val="50000"/>
-                    <a:lumOff val="50000"/>
-                  </a:schemeClr>
-                </a:solidFill>
-                <a:latin typeface="리디바탕" panose="020B0600000101010101" pitchFamily="34" charset="-127"/>
-                <a:ea typeface="리디바탕" panose="020B0600000101010101" pitchFamily="34" charset="-127"/>
-              </a:rPr>
-              <a:t>ased</a:t>
-            </a:r>
-          </a:p>
-          <a:p>
-            <a:r>
-              <a:rPr lang="en-US" altLang="ko-KR" sz="2400" dirty="0" smtClean="0">
-                <a:solidFill>
-                  <a:schemeClr val="bg1"/>
-                </a:solidFill>
-                <a:latin typeface="리디바탕" panose="020B0600000101010101" pitchFamily="34" charset="-127"/>
-                <a:ea typeface="리디바탕" panose="020B0600000101010101" pitchFamily="34" charset="-127"/>
-              </a:rPr>
-              <a:t>C</a:t>
-            </a:r>
-            <a:r>
-              <a:rPr lang="en-US" altLang="ko-KR" sz="2400" dirty="0" smtClean="0">
-                <a:solidFill>
-                  <a:schemeClr val="tx1">
-                    <a:lumMod val="50000"/>
-                    <a:lumOff val="50000"/>
-                  </a:schemeClr>
-                </a:solidFill>
-                <a:latin typeface="리디바탕" panose="020B0600000101010101" pitchFamily="34" charset="-127"/>
-                <a:ea typeface="리디바탕" panose="020B0600000101010101" pitchFamily="34" charset="-127"/>
-              </a:rPr>
-              <a:t>oders</a:t>
-            </a:r>
-            <a:endParaRPr lang="en-US" altLang="ko-KR" sz="1600" dirty="0">
+              <a:t>ociety</a:t>
+            </a:r>
+            <a:endParaRPr lang="ko-KR" altLang="en-US" sz="2400" dirty="0">
               <a:solidFill>
-                <a:schemeClr val="tx1">
-                  <a:lumMod val="50000"/>
-                  <a:lumOff val="50000"/>
-                </a:schemeClr>
+                <a:schemeClr val="bg1"/>
               </a:solidFill>
               <a:latin typeface="리디바탕" panose="020B0600000101010101" pitchFamily="34" charset="-127"/>
               <a:ea typeface="리디바탕" panose="020B0600000101010101" pitchFamily="34" charset="-127"/>
             </a:endParaRPr>
           </a:p>
-          <a:p>
-            <a:r>
-              <a:rPr lang="en-US" altLang="ko-KR" sz="2400" dirty="0">
-                <a:solidFill>
-                  <a:schemeClr val="bg1"/>
-                </a:solidFill>
-                <a:latin typeface="리디바탕" panose="020B0600000101010101" pitchFamily="34" charset="-127"/>
-                <a:ea typeface="리디바탕" panose="020B0600000101010101" pitchFamily="34" charset="-127"/>
-              </a:rPr>
-              <a:t>s</a:t>
-            </a:r>
-            <a:r>
-              <a:rPr lang="en-US" altLang="ko-KR" sz="2400" dirty="0">
-                <a:solidFill>
-                  <a:schemeClr val="tx1">
-                    <a:lumMod val="50000"/>
-                    <a:lumOff val="50000"/>
-                  </a:schemeClr>
-                </a:solidFill>
-                <a:latin typeface="리디바탕" panose="020B0600000101010101" pitchFamily="34" charset="-127"/>
-                <a:ea typeface="리디바탕" panose="020B0600000101010101" pitchFamily="34" charset="-127"/>
-              </a:rPr>
-              <a:t>ociety</a:t>
-            </a:r>
-            <a:endParaRPr lang="ko-KR" altLang="en-US" sz="2400" dirty="0">
-              <a:solidFill>
-                <a:schemeClr val="tx1">
-                  <a:lumMod val="50000"/>
-                  <a:lumOff val="50000"/>
-                </a:schemeClr>
-              </a:solidFill>
-              <a:latin typeface="리디바탕" panose="020B0600000101010101" pitchFamily="34" charset="-127"/>
-              <a:ea typeface="리디바탕" panose="020B0600000101010101" pitchFamily="34" charset="-127"/>
-            </a:endParaRPr>
-          </a:p>
         </p:txBody>
       </p:sp>
       <p:sp>
@@ -3182,7 +3196,7 @@
         </p:nvSpPr>
         <p:spPr>
           <a:xfrm>
-            <a:off x="3429000" y="4576717"/>
+            <a:off x="3429000" y="4881723"/>
             <a:ext cx="5715000" cy="461665"/>
           </a:xfrm>
           <a:prstGeom prst="rect">
@@ -3198,34 +3212,48 @@
             <a:pPr algn="ctr"/>
             <a:r>
               <a:rPr lang="ko-KR" altLang="en-US" sz="2400" dirty="0" err="1" smtClean="0">
-                <a:latin typeface="리디바탕" panose="020B0600000101010101" pitchFamily="34" charset="-127"/>
+                <a:latin typeface="MS PGothic" panose="020B0600070205080204" pitchFamily="34" charset="-128"/>
                 <a:ea typeface="리디바탕" panose="020B0600000101010101" pitchFamily="34" charset="-127"/>
               </a:rPr>
-              <a:t>건축·엔지니어링·건설</a:t>
-            </a:r>
-            <a:r>
-              <a:rPr lang="ko-KR" altLang="en-US" sz="2400" dirty="0" smtClean="0">
-                <a:latin typeface="리디바탕" panose="020B0600000101010101" pitchFamily="34" charset="-127"/>
+              <a:t>건축·</a:t>
+            </a:r>
+            <a:r>
+              <a:rPr lang="ko-KR" altLang="en-US" sz="2400" dirty="0" err="1" smtClean="0">
+                <a:latin typeface="MS PGothic" panose="020B0600070205080204" pitchFamily="34" charset="-128"/>
                 <a:ea typeface="리디바탕" panose="020B0600000101010101" pitchFamily="34" charset="-127"/>
               </a:rPr>
-              <a:t> 분야 </a:t>
+              <a:t>엔지니어링</a:t>
+            </a:r>
+            <a:r>
+              <a:rPr lang="ko-KR" altLang="en-US" sz="2400" dirty="0" smtClean="0">
+                <a:latin typeface="MS PGothic" panose="020B0600070205080204" pitchFamily="34" charset="-128"/>
+                <a:ea typeface="리디바탕" panose="020B0600000101010101" pitchFamily="34" charset="-127"/>
+              </a:rPr>
+              <a:t> · 건설 </a:t>
+            </a:r>
+            <a:r>
+              <a:rPr lang="ko-KR" altLang="en-US" sz="2400" dirty="0" smtClean="0">
+                <a:latin typeface="MS PGothic" panose="020B0600070205080204" pitchFamily="34" charset="-128"/>
+                <a:ea typeface="리디바탕" panose="020B0600000101010101" pitchFamily="34" charset="-127"/>
+              </a:rPr>
+              <a:t>분야 </a:t>
             </a:r>
             <a:r>
               <a:rPr lang="ko-KR" altLang="en-US" sz="2400" dirty="0" err="1" smtClean="0">
-                <a:latin typeface="리디바탕" panose="020B0600000101010101" pitchFamily="34" charset="-127"/>
+                <a:latin typeface="MS PGothic" panose="020B0600070205080204" pitchFamily="34" charset="-128"/>
                 <a:ea typeface="리디바탕" panose="020B0600000101010101" pitchFamily="34" charset="-127"/>
               </a:rPr>
               <a:t>코더들</a:t>
             </a:r>
             <a:r>
               <a:rPr lang="ko-KR" altLang="en-US" sz="2400" dirty="0" smtClean="0">
-                <a:latin typeface="리디바탕" panose="020B0600000101010101" pitchFamily="34" charset="-127"/>
+                <a:latin typeface="MS PGothic" panose="020B0600070205080204" pitchFamily="34" charset="-128"/>
                 <a:ea typeface="리디바탕" panose="020B0600000101010101" pitchFamily="34" charset="-127"/>
               </a:rPr>
               <a:t> 모임</a:t>
             </a:r>
             <a:endParaRPr lang="ko-KR" altLang="en-US" sz="2400" dirty="0">
-              <a:latin typeface="리디바탕" panose="020B0600000101010101" pitchFamily="34" charset="-127"/>
+              <a:latin typeface="MS PGothic" panose="020B0600070205080204" pitchFamily="34" charset="-128"/>
               <a:ea typeface="리디바탕" panose="020B0600000101010101" pitchFamily="34" charset="-127"/>
             </a:endParaRPr>
           </a:p>
@@ -3235,6 +3263,108 @@
     <p:extLst>
       <p:ext uri="{BB962C8B-B14F-4D97-AF65-F5344CB8AC3E}">
         <p14:creationId xmlns:p14="http://schemas.microsoft.com/office/powerpoint/2010/main" val="4293017609"/>
+      </p:ext>
+    </p:extLst>
+  </p:cSld>
+  <p:clrMapOvr>
+    <a:masterClrMapping/>
+  </p:clrMapOvr>
+</p:sld>
+</file>
+
+<file path=ppt/slides/slide2.xml><?xml version="1.0" encoding="utf-8"?>
+<p:sld xmlns:a="http://schemas.openxmlformats.org/drawingml/2006/main" xmlns:r="http://schemas.openxmlformats.org/officeDocument/2006/relationships" xmlns:p="http://schemas.openxmlformats.org/presentationml/2006/main">
+  <p:cSld>
+    <p:spTree>
+      <p:nvGrpSpPr>
+        <p:cNvPr id="1" name=""/>
+        <p:cNvGrpSpPr/>
+        <p:nvPr/>
+      </p:nvGrpSpPr>
+      <p:grpSpPr>
+        <a:xfrm>
+          <a:off x="0" y="0"/>
+          <a:ext cx="0" cy="0"/>
+          <a:chOff x="0" y="0"/>
+          <a:chExt cx="0" cy="0"/>
+        </a:xfrm>
+      </p:grpSpPr>
+      <p:sp>
+        <p:nvSpPr>
+          <p:cNvPr id="4" name="직사각형 3"/>
+          <p:cNvSpPr/>
+          <p:nvPr/>
+        </p:nvSpPr>
+        <p:spPr>
+          <a:xfrm>
+            <a:off x="3429000" y="495300"/>
+            <a:ext cx="5715000" cy="5715000"/>
+          </a:xfrm>
+          <a:prstGeom prst="rect">
+            <a:avLst/>
+          </a:prstGeom>
+          <a:solidFill>
+            <a:schemeClr val="bg1">
+              <a:lumMod val="75000"/>
+            </a:schemeClr>
+          </a:solidFill>
+          <a:ln>
+            <a:noFill/>
+          </a:ln>
+        </p:spPr>
+        <p:style>
+          <a:lnRef idx="2">
+            <a:schemeClr val="accent1">
+              <a:shade val="50000"/>
+            </a:schemeClr>
+          </a:lnRef>
+          <a:fillRef idx="1">
+            <a:schemeClr val="accent1"/>
+          </a:fillRef>
+          <a:effectRef idx="0">
+            <a:schemeClr val="accent1"/>
+          </a:effectRef>
+          <a:fontRef idx="minor">
+            <a:schemeClr val="lt1"/>
+          </a:fontRef>
+        </p:style>
+        <p:txBody>
+          <a:bodyPr rtlCol="0" anchor="ctr"/>
+          <a:lstStyle/>
+          <a:p>
+            <a:pPr algn="ctr"/>
+            <a:r>
+              <a:rPr lang="en-US" altLang="ko-KR" sz="8800" dirty="0" smtClean="0">
+                <a:effectLst>
+                  <a:outerShdw blurRad="38100" dist="38100" dir="2700000" algn="tl">
+                    <a:srgbClr val="000000">
+                      <a:alpha val="43137"/>
+                    </a:srgbClr>
+                  </a:outerShdw>
+                </a:effectLst>
+                <a:latin typeface="MS PGothic" panose="020B0600070205080204" pitchFamily="34" charset="-128"/>
+                <a:ea typeface="MS PGothic" panose="020B0600070205080204" pitchFamily="34" charset="-128"/>
+              </a:rPr>
+              <a:t>A B C s</a:t>
+            </a:r>
+            <a:endParaRPr lang="en-US" altLang="ko-KR" sz="8800" dirty="0" smtClean="0">
+              <a:effectLst>
+                <a:outerShdw blurRad="38100" dist="38100" dir="2700000" algn="tl">
+                  <a:srgbClr val="000000">
+                    <a:alpha val="43137"/>
+                  </a:srgbClr>
+                </a:outerShdw>
+              </a:effectLst>
+              <a:latin typeface="MS PGothic" panose="020B0600070205080204" pitchFamily="34" charset="-128"/>
+              <a:ea typeface="MS PGothic" panose="020B0600070205080204" pitchFamily="34" charset="-128"/>
+            </a:endParaRPr>
+          </a:p>
+        </p:txBody>
+      </p:sp>
+    </p:spTree>
+    <p:extLst>
+      <p:ext uri="{BB962C8B-B14F-4D97-AF65-F5344CB8AC3E}">
+        <p14:creationId xmlns:p14="http://schemas.microsoft.com/office/powerpoint/2010/main" val="1689425878"/>
       </p:ext>
     </p:extLst>
   </p:cSld>
